--- a/paper/ACC 2017/figures/scenario2.pptx
+++ b/paper/ACC 2017/figures/scenario2.pptx
@@ -6,6 +6,7 @@
   </p:sldMasterIdLst>
   <p:sldIdLst>
     <p:sldId id="256" r:id="rId2"/>
+    <p:sldId id="257" r:id="rId3"/>
   </p:sldIdLst>
   <p:sldSz cx="12192000" cy="6858000"/>
   <p:notesSz cx="6858000" cy="9144000"/>
@@ -254,7 +255,7 @@
           <a:p>
             <a:fld id="{EC2BF658-A45A-E849-B849-5DBADF41B5C9}" type="datetimeFigureOut">
               <a:rPr lang="en-US" smtClean="0"/>
-              <a:t>2/25/17</a:t>
+              <a:t>4/2/17</a:t>
             </a:fld>
             <a:endParaRPr lang="en-US"/>
           </a:p>
@@ -424,7 +425,7 @@
           <a:p>
             <a:fld id="{EC2BF658-A45A-E849-B849-5DBADF41B5C9}" type="datetimeFigureOut">
               <a:rPr lang="en-US" smtClean="0"/>
-              <a:t>2/25/17</a:t>
+              <a:t>4/2/17</a:t>
             </a:fld>
             <a:endParaRPr lang="en-US"/>
           </a:p>
@@ -604,7 +605,7 @@
           <a:p>
             <a:fld id="{EC2BF658-A45A-E849-B849-5DBADF41B5C9}" type="datetimeFigureOut">
               <a:rPr lang="en-US" smtClean="0"/>
-              <a:t>2/25/17</a:t>
+              <a:t>4/2/17</a:t>
             </a:fld>
             <a:endParaRPr lang="en-US"/>
           </a:p>
@@ -774,7 +775,7 @@
           <a:p>
             <a:fld id="{EC2BF658-A45A-E849-B849-5DBADF41B5C9}" type="datetimeFigureOut">
               <a:rPr lang="en-US" smtClean="0"/>
-              <a:t>2/25/17</a:t>
+              <a:t>4/2/17</a:t>
             </a:fld>
             <a:endParaRPr lang="en-US"/>
           </a:p>
@@ -1020,7 +1021,7 @@
           <a:p>
             <a:fld id="{EC2BF658-A45A-E849-B849-5DBADF41B5C9}" type="datetimeFigureOut">
               <a:rPr lang="en-US" smtClean="0"/>
-              <a:t>2/25/17</a:t>
+              <a:t>4/2/17</a:t>
             </a:fld>
             <a:endParaRPr lang="en-US"/>
           </a:p>
@@ -1252,7 +1253,7 @@
           <a:p>
             <a:fld id="{EC2BF658-A45A-E849-B849-5DBADF41B5C9}" type="datetimeFigureOut">
               <a:rPr lang="en-US" smtClean="0"/>
-              <a:t>2/25/17</a:t>
+              <a:t>4/2/17</a:t>
             </a:fld>
             <a:endParaRPr lang="en-US"/>
           </a:p>
@@ -1619,7 +1620,7 @@
           <a:p>
             <a:fld id="{EC2BF658-A45A-E849-B849-5DBADF41B5C9}" type="datetimeFigureOut">
               <a:rPr lang="en-US" smtClean="0"/>
-              <a:t>2/25/17</a:t>
+              <a:t>4/2/17</a:t>
             </a:fld>
             <a:endParaRPr lang="en-US"/>
           </a:p>
@@ -1737,7 +1738,7 @@
           <a:p>
             <a:fld id="{EC2BF658-A45A-E849-B849-5DBADF41B5C9}" type="datetimeFigureOut">
               <a:rPr lang="en-US" smtClean="0"/>
-              <a:t>2/25/17</a:t>
+              <a:t>4/2/17</a:t>
             </a:fld>
             <a:endParaRPr lang="en-US"/>
           </a:p>
@@ -1832,7 +1833,7 @@
           <a:p>
             <a:fld id="{EC2BF658-A45A-E849-B849-5DBADF41B5C9}" type="datetimeFigureOut">
               <a:rPr lang="en-US" smtClean="0"/>
-              <a:t>2/25/17</a:t>
+              <a:t>4/2/17</a:t>
             </a:fld>
             <a:endParaRPr lang="en-US"/>
           </a:p>
@@ -2109,7 +2110,7 @@
           <a:p>
             <a:fld id="{EC2BF658-A45A-E849-B849-5DBADF41B5C9}" type="datetimeFigureOut">
               <a:rPr lang="en-US" smtClean="0"/>
-              <a:t>2/25/17</a:t>
+              <a:t>4/2/17</a:t>
             </a:fld>
             <a:endParaRPr lang="en-US"/>
           </a:p>
@@ -2362,7 +2363,7 @@
           <a:p>
             <a:fld id="{EC2BF658-A45A-E849-B849-5DBADF41B5C9}" type="datetimeFigureOut">
               <a:rPr lang="en-US" smtClean="0"/>
-              <a:t>2/25/17</a:t>
+              <a:t>4/2/17</a:t>
             </a:fld>
             <a:endParaRPr lang="en-US"/>
           </a:p>
@@ -2575,7 +2576,7 @@
           <a:p>
             <a:fld id="{EC2BF658-A45A-E849-B849-5DBADF41B5C9}" type="datetimeFigureOut">
               <a:rPr lang="en-US" smtClean="0"/>
-              <a:t>2/25/17</a:t>
+              <a:t>4/2/17</a:t>
             </a:fld>
             <a:endParaRPr lang="en-US"/>
           </a:p>
@@ -4021,6 +4022,1018 @@
 </p:sld>
 </file>
 
+<file path=ppt/slides/slide2.xml><?xml version="1.0" encoding="utf-8"?>
+<p:sld xmlns:a="http://schemas.openxmlformats.org/drawingml/2006/main" xmlns:r="http://schemas.openxmlformats.org/officeDocument/2006/relationships" xmlns:p="http://schemas.openxmlformats.org/presentationml/2006/main">
+  <p:cSld>
+    <p:spTree>
+      <p:nvGrpSpPr>
+        <p:cNvPr id="1" name=""/>
+        <p:cNvGrpSpPr/>
+        <p:nvPr/>
+      </p:nvGrpSpPr>
+      <p:grpSpPr>
+        <a:xfrm>
+          <a:off x="0" y="0"/>
+          <a:ext cx="0" cy="0"/>
+          <a:chOff x="0" y="0"/>
+          <a:chExt cx="0" cy="0"/>
+        </a:xfrm>
+      </p:grpSpPr>
+      <p:sp>
+        <p:nvSpPr>
+          <p:cNvPr id="28" name="Freeform 27"/>
+          <p:cNvSpPr/>
+          <p:nvPr/>
+        </p:nvSpPr>
+        <p:spPr>
+          <a:xfrm>
+            <a:off x="2895600" y="3981768"/>
+            <a:ext cx="6553200" cy="1726305"/>
+          </a:xfrm>
+          <a:custGeom>
+            <a:avLst/>
+            <a:gdLst>
+              <a:gd name="connsiteX0" fmla="*/ 0 w 6553200"/>
+              <a:gd name="connsiteY0" fmla="*/ 1726305 h 1726305"/>
+              <a:gd name="connsiteX1" fmla="*/ 1080655 w 6553200"/>
+              <a:gd name="connsiteY1" fmla="*/ 770341 h 1726305"/>
+              <a:gd name="connsiteX2" fmla="*/ 3532909 w 6553200"/>
+              <a:gd name="connsiteY2" fmla="*/ 36050 h 1726305"/>
+              <a:gd name="connsiteX3" fmla="*/ 6553200 w 6553200"/>
+              <a:gd name="connsiteY3" fmla="*/ 105323 h 1726305"/>
+              <a:gd name="connsiteX4" fmla="*/ 6553200 w 6553200"/>
+              <a:gd name="connsiteY4" fmla="*/ 105323 h 1726305"/>
+            </a:gdLst>
+            <a:ahLst/>
+            <a:cxnLst>
+              <a:cxn ang="0">
+                <a:pos x="connsiteX0" y="connsiteY0"/>
+              </a:cxn>
+              <a:cxn ang="0">
+                <a:pos x="connsiteX1" y="connsiteY1"/>
+              </a:cxn>
+              <a:cxn ang="0">
+                <a:pos x="connsiteX2" y="connsiteY2"/>
+              </a:cxn>
+              <a:cxn ang="0">
+                <a:pos x="connsiteX3" y="connsiteY3"/>
+              </a:cxn>
+              <a:cxn ang="0">
+                <a:pos x="connsiteX4" y="connsiteY4"/>
+              </a:cxn>
+            </a:cxnLst>
+            <a:rect l="l" t="t" r="r" b="b"/>
+            <a:pathLst>
+              <a:path w="6553200" h="1726305">
+                <a:moveTo>
+                  <a:pt x="0" y="1726305"/>
+                </a:moveTo>
+                <a:cubicBezTo>
+                  <a:pt x="245918" y="1389177"/>
+                  <a:pt x="491837" y="1052050"/>
+                  <a:pt x="1080655" y="770341"/>
+                </a:cubicBezTo>
+                <a:cubicBezTo>
+                  <a:pt x="1669473" y="488632"/>
+                  <a:pt x="2620818" y="146886"/>
+                  <a:pt x="3532909" y="36050"/>
+                </a:cubicBezTo>
+                <a:cubicBezTo>
+                  <a:pt x="4445000" y="-74786"/>
+                  <a:pt x="6553200" y="105323"/>
+                  <a:pt x="6553200" y="105323"/>
+                </a:cubicBezTo>
+                <a:lnTo>
+                  <a:pt x="6553200" y="105323"/>
+                </a:lnTo>
+              </a:path>
+            </a:pathLst>
+          </a:custGeom>
+          <a:noFill/>
+          <a:ln w="25400">
+            <a:solidFill>
+              <a:srgbClr val="C00000"/>
+            </a:solidFill>
+            <a:prstDash val="dash"/>
+            <a:tailEnd type="stealth" w="lg" len="lg"/>
+          </a:ln>
+        </p:spPr>
+        <p:style>
+          <a:lnRef idx="2">
+            <a:schemeClr val="accent1">
+              <a:shade val="50000"/>
+            </a:schemeClr>
+          </a:lnRef>
+          <a:fillRef idx="1">
+            <a:schemeClr val="accent1"/>
+          </a:fillRef>
+          <a:effectRef idx="0">
+            <a:schemeClr val="accent1"/>
+          </a:effectRef>
+          <a:fontRef idx="minor">
+            <a:schemeClr val="lt1"/>
+          </a:fontRef>
+        </p:style>
+        <p:txBody>
+          <a:bodyPr rtlCol="0" anchor="ctr"/>
+          <a:lstStyle/>
+          <a:p>
+            <a:pPr algn="ctr"/>
+            <a:endParaRPr lang="en-US"/>
+          </a:p>
+        </p:txBody>
+      </p:sp>
+      <p:cxnSp>
+        <p:nvCxnSpPr>
+          <p:cNvPr id="13" name="Straight Arrow Connector 12"/>
+          <p:cNvCxnSpPr/>
+          <p:nvPr/>
+        </p:nvCxnSpPr>
+        <p:spPr>
+          <a:xfrm>
+            <a:off x="3416968" y="1804502"/>
+            <a:ext cx="7458850" cy="1395901"/>
+          </a:xfrm>
+          <a:prstGeom prst="straightConnector1">
+            <a:avLst/>
+          </a:prstGeom>
+          <a:ln w="25400">
+            <a:solidFill>
+              <a:schemeClr val="accent1"/>
+            </a:solidFill>
+            <a:prstDash val="dash"/>
+            <a:tailEnd type="triangle"/>
+          </a:ln>
+        </p:spPr>
+        <p:style>
+          <a:lnRef idx="1">
+            <a:schemeClr val="accent1"/>
+          </a:lnRef>
+          <a:fillRef idx="0">
+            <a:schemeClr val="accent1"/>
+          </a:fillRef>
+          <a:effectRef idx="0">
+            <a:schemeClr val="accent1"/>
+          </a:effectRef>
+          <a:fontRef idx="minor">
+            <a:schemeClr val="tx1"/>
+          </a:fontRef>
+        </p:style>
+      </p:cxnSp>
+      <p:pic>
+        <p:nvPicPr>
+          <p:cNvPr id="4" name="Picture 3"/>
+          <p:cNvPicPr>
+            <a:picLocks noChangeAspect="1"/>
+          </p:cNvPicPr>
+          <p:nvPr/>
+        </p:nvPicPr>
+        <p:blipFill>
+          <a:blip r:embed="rId2">
+            <a:alphaModFix amt="50000"/>
+            <a:extLst>
+              <a:ext uri="{28A0092B-C50C-407E-A947-70E740481C1C}">
+                <a14:useLocalDpi xmlns:a14="http://schemas.microsoft.com/office/drawing/2010/main" val="0"/>
+              </a:ext>
+            </a:extLst>
+          </a:blip>
+          <a:stretch>
+            <a:fillRect/>
+          </a:stretch>
+        </p:blipFill>
+        <p:spPr>
+          <a:xfrm>
+            <a:off x="2276101" y="5180938"/>
+            <a:ext cx="1042737" cy="1511154"/>
+          </a:xfrm>
+          <a:prstGeom prst="rect">
+            <a:avLst/>
+          </a:prstGeom>
+          <a:effectLst/>
+        </p:spPr>
+      </p:pic>
+      <p:sp>
+        <p:nvSpPr>
+          <p:cNvPr id="7" name="Oval 6"/>
+          <p:cNvSpPr/>
+          <p:nvPr/>
+        </p:nvSpPr>
+        <p:spPr>
+          <a:xfrm rot="19550869">
+            <a:off x="7274996" y="2258429"/>
+            <a:ext cx="1333083" cy="591154"/>
+          </a:xfrm>
+          <a:prstGeom prst="ellipse">
+            <a:avLst/>
+          </a:prstGeom>
+          <a:solidFill>
+            <a:schemeClr val="bg1">
+              <a:lumMod val="75000"/>
+              <a:alpha val="50000"/>
+            </a:schemeClr>
+          </a:solidFill>
+          <a:ln>
+            <a:solidFill>
+              <a:schemeClr val="bg1">
+                <a:lumMod val="75000"/>
+              </a:schemeClr>
+            </a:solidFill>
+            <a:prstDash val="sysDash"/>
+          </a:ln>
+        </p:spPr>
+        <p:style>
+          <a:lnRef idx="2">
+            <a:schemeClr val="accent1">
+              <a:shade val="50000"/>
+            </a:schemeClr>
+          </a:lnRef>
+          <a:fillRef idx="1">
+            <a:schemeClr val="accent1"/>
+          </a:fillRef>
+          <a:effectRef idx="0">
+            <a:schemeClr val="accent1"/>
+          </a:effectRef>
+          <a:fontRef idx="minor">
+            <a:schemeClr val="lt1"/>
+          </a:fontRef>
+        </p:style>
+        <p:txBody>
+          <a:bodyPr rtlCol="0" anchor="ctr"/>
+          <a:lstStyle/>
+          <a:p>
+            <a:pPr algn="ctr"/>
+            <a:endParaRPr lang="en-US"/>
+          </a:p>
+        </p:txBody>
+      </p:sp>
+      <p:sp>
+        <p:nvSpPr>
+          <p:cNvPr id="14" name="Oval 13"/>
+          <p:cNvSpPr/>
+          <p:nvPr/>
+        </p:nvSpPr>
+        <p:spPr>
+          <a:xfrm rot="16905707">
+            <a:off x="4652706" y="1573926"/>
+            <a:ext cx="1794552" cy="1077859"/>
+          </a:xfrm>
+          <a:prstGeom prst="ellipse">
+            <a:avLst/>
+          </a:prstGeom>
+          <a:solidFill>
+            <a:schemeClr val="bg1">
+              <a:lumMod val="75000"/>
+              <a:alpha val="50000"/>
+            </a:schemeClr>
+          </a:solidFill>
+          <a:ln>
+            <a:solidFill>
+              <a:schemeClr val="bg1">
+                <a:lumMod val="75000"/>
+              </a:schemeClr>
+            </a:solidFill>
+            <a:prstDash val="sysDash"/>
+          </a:ln>
+        </p:spPr>
+        <p:style>
+          <a:lnRef idx="2">
+            <a:schemeClr val="accent1">
+              <a:shade val="50000"/>
+            </a:schemeClr>
+          </a:lnRef>
+          <a:fillRef idx="1">
+            <a:schemeClr val="accent1"/>
+          </a:fillRef>
+          <a:effectRef idx="0">
+            <a:schemeClr val="accent1"/>
+          </a:effectRef>
+          <a:fontRef idx="minor">
+            <a:schemeClr val="lt1"/>
+          </a:fontRef>
+        </p:style>
+        <p:txBody>
+          <a:bodyPr rtlCol="0" anchor="ctr"/>
+          <a:lstStyle/>
+          <a:p>
+            <a:pPr algn="ctr"/>
+            <a:endParaRPr lang="en-US"/>
+          </a:p>
+        </p:txBody>
+      </p:sp>
+      <p:sp>
+        <p:nvSpPr>
+          <p:cNvPr id="15" name="Oval 14"/>
+          <p:cNvSpPr/>
+          <p:nvPr/>
+        </p:nvSpPr>
+        <p:spPr>
+          <a:xfrm rot="19550869">
+            <a:off x="2327566" y="953750"/>
+            <a:ext cx="2078354" cy="1369468"/>
+          </a:xfrm>
+          <a:prstGeom prst="ellipse">
+            <a:avLst/>
+          </a:prstGeom>
+          <a:solidFill>
+            <a:schemeClr val="bg1">
+              <a:lumMod val="75000"/>
+              <a:alpha val="50000"/>
+            </a:schemeClr>
+          </a:solidFill>
+          <a:ln>
+            <a:solidFill>
+              <a:schemeClr val="bg1">
+                <a:lumMod val="75000"/>
+              </a:schemeClr>
+            </a:solidFill>
+            <a:prstDash val="sysDash"/>
+          </a:ln>
+        </p:spPr>
+        <p:style>
+          <a:lnRef idx="2">
+            <a:schemeClr val="accent1">
+              <a:shade val="50000"/>
+            </a:schemeClr>
+          </a:lnRef>
+          <a:fillRef idx="1">
+            <a:schemeClr val="accent1"/>
+          </a:fillRef>
+          <a:effectRef idx="0">
+            <a:schemeClr val="accent1"/>
+          </a:effectRef>
+          <a:fontRef idx="minor">
+            <a:schemeClr val="lt1"/>
+          </a:fontRef>
+        </p:style>
+        <p:txBody>
+          <a:bodyPr rtlCol="0" anchor="ctr"/>
+          <a:lstStyle/>
+          <a:p>
+            <a:pPr algn="ctr"/>
+            <a:endParaRPr lang="en-US"/>
+          </a:p>
+        </p:txBody>
+      </p:sp>
+      <p:sp>
+        <p:nvSpPr>
+          <p:cNvPr id="16" name="Oval 15"/>
+          <p:cNvSpPr/>
+          <p:nvPr/>
+        </p:nvSpPr>
+        <p:spPr>
+          <a:xfrm rot="19550869">
+            <a:off x="9457890" y="2664455"/>
+            <a:ext cx="774160" cy="600620"/>
+          </a:xfrm>
+          <a:prstGeom prst="ellipse">
+            <a:avLst/>
+          </a:prstGeom>
+          <a:solidFill>
+            <a:schemeClr val="bg1">
+              <a:lumMod val="75000"/>
+              <a:alpha val="50000"/>
+            </a:schemeClr>
+          </a:solidFill>
+          <a:ln>
+            <a:solidFill>
+              <a:schemeClr val="bg1">
+                <a:lumMod val="75000"/>
+              </a:schemeClr>
+            </a:solidFill>
+            <a:prstDash val="sysDash"/>
+          </a:ln>
+        </p:spPr>
+        <p:style>
+          <a:lnRef idx="2">
+            <a:schemeClr val="accent1">
+              <a:shade val="50000"/>
+            </a:schemeClr>
+          </a:lnRef>
+          <a:fillRef idx="1">
+            <a:schemeClr val="accent1"/>
+          </a:fillRef>
+          <a:effectRef idx="0">
+            <a:schemeClr val="accent1"/>
+          </a:effectRef>
+          <a:fontRef idx="minor">
+            <a:schemeClr val="lt1"/>
+          </a:fontRef>
+        </p:style>
+        <p:txBody>
+          <a:bodyPr rtlCol="0" anchor="ctr"/>
+          <a:lstStyle/>
+          <a:p>
+            <a:pPr algn="ctr"/>
+            <a:endParaRPr lang="en-US"/>
+          </a:p>
+        </p:txBody>
+      </p:sp>
+      <p:sp>
+        <p:nvSpPr>
+          <p:cNvPr id="8" name="Can 7"/>
+          <p:cNvSpPr>
+            <a:spLocks noChangeAspect="1"/>
+          </p:cNvSpPr>
+          <p:nvPr/>
+        </p:nvSpPr>
+        <p:spPr>
+          <a:xfrm>
+            <a:off x="7726847" y="2344434"/>
+            <a:ext cx="429383" cy="419144"/>
+          </a:xfrm>
+          <a:prstGeom prst="can">
+            <a:avLst>
+              <a:gd name="adj" fmla="val 66500"/>
+            </a:avLst>
+          </a:prstGeom>
+          <a:solidFill>
+            <a:schemeClr val="accent1">
+              <a:lumMod val="75000"/>
+              <a:alpha val="70000"/>
+            </a:schemeClr>
+          </a:solidFill>
+          <a:ln>
+            <a:noFill/>
+          </a:ln>
+        </p:spPr>
+        <p:style>
+          <a:lnRef idx="2">
+            <a:schemeClr val="dk1">
+              <a:shade val="50000"/>
+            </a:schemeClr>
+          </a:lnRef>
+          <a:fillRef idx="1">
+            <a:schemeClr val="dk1"/>
+          </a:fillRef>
+          <a:effectRef idx="0">
+            <a:schemeClr val="dk1"/>
+          </a:effectRef>
+          <a:fontRef idx="minor">
+            <a:schemeClr val="lt1"/>
+          </a:fontRef>
+        </p:style>
+        <p:txBody>
+          <a:bodyPr rtlCol="0" anchor="ctr"/>
+          <a:lstStyle/>
+          <a:p>
+            <a:pPr algn="ctr"/>
+            <a:endParaRPr lang="en-US"/>
+          </a:p>
+        </p:txBody>
+      </p:sp>
+      <p:sp>
+        <p:nvSpPr>
+          <p:cNvPr id="9" name="Can 8"/>
+          <p:cNvSpPr>
+            <a:spLocks noChangeAspect="1"/>
+          </p:cNvSpPr>
+          <p:nvPr/>
+        </p:nvSpPr>
+        <p:spPr>
+          <a:xfrm>
+            <a:off x="3104147" y="1496938"/>
+            <a:ext cx="429383" cy="419144"/>
+          </a:xfrm>
+          <a:prstGeom prst="can">
+            <a:avLst>
+              <a:gd name="adj" fmla="val 66500"/>
+            </a:avLst>
+          </a:prstGeom>
+          <a:solidFill>
+            <a:schemeClr val="accent1">
+              <a:lumMod val="75000"/>
+              <a:alpha val="70000"/>
+            </a:schemeClr>
+          </a:solidFill>
+          <a:ln>
+            <a:noFill/>
+          </a:ln>
+        </p:spPr>
+        <p:style>
+          <a:lnRef idx="2">
+            <a:schemeClr val="dk1">
+              <a:shade val="50000"/>
+            </a:schemeClr>
+          </a:lnRef>
+          <a:fillRef idx="1">
+            <a:schemeClr val="dk1"/>
+          </a:fillRef>
+          <a:effectRef idx="0">
+            <a:schemeClr val="dk1"/>
+          </a:effectRef>
+          <a:fontRef idx="minor">
+            <a:schemeClr val="lt1"/>
+          </a:fontRef>
+        </p:style>
+        <p:txBody>
+          <a:bodyPr rtlCol="0" anchor="ctr"/>
+          <a:lstStyle/>
+          <a:p>
+            <a:pPr algn="ctr"/>
+            <a:endParaRPr lang="en-US"/>
+          </a:p>
+        </p:txBody>
+      </p:sp>
+      <p:sp>
+        <p:nvSpPr>
+          <p:cNvPr id="11" name="Can 10"/>
+          <p:cNvSpPr>
+            <a:spLocks noChangeAspect="1"/>
+          </p:cNvSpPr>
+          <p:nvPr/>
+        </p:nvSpPr>
+        <p:spPr>
+          <a:xfrm>
+            <a:off x="9630279" y="2755193"/>
+            <a:ext cx="429383" cy="419144"/>
+          </a:xfrm>
+          <a:prstGeom prst="can">
+            <a:avLst>
+              <a:gd name="adj" fmla="val 66500"/>
+            </a:avLst>
+          </a:prstGeom>
+          <a:solidFill>
+            <a:schemeClr val="accent1">
+              <a:lumMod val="75000"/>
+            </a:schemeClr>
+          </a:solidFill>
+          <a:ln>
+            <a:noFill/>
+          </a:ln>
+        </p:spPr>
+        <p:style>
+          <a:lnRef idx="2">
+            <a:schemeClr val="dk1">
+              <a:shade val="50000"/>
+            </a:schemeClr>
+          </a:lnRef>
+          <a:fillRef idx="1">
+            <a:schemeClr val="dk1"/>
+          </a:fillRef>
+          <a:effectRef idx="0">
+            <a:schemeClr val="dk1"/>
+          </a:effectRef>
+          <a:fontRef idx="minor">
+            <a:schemeClr val="lt1"/>
+          </a:fontRef>
+        </p:style>
+        <p:txBody>
+          <a:bodyPr rtlCol="0" anchor="ctr"/>
+          <a:lstStyle/>
+          <a:p>
+            <a:pPr algn="ctr"/>
+            <a:endParaRPr lang="en-US"/>
+          </a:p>
+        </p:txBody>
+      </p:sp>
+      <p:sp>
+        <p:nvSpPr>
+          <p:cNvPr id="10" name="Can 9"/>
+          <p:cNvSpPr>
+            <a:spLocks noChangeAspect="1"/>
+          </p:cNvSpPr>
+          <p:nvPr/>
+        </p:nvSpPr>
+        <p:spPr>
+          <a:xfrm>
+            <a:off x="5345528" y="1935209"/>
+            <a:ext cx="429383" cy="419144"/>
+          </a:xfrm>
+          <a:prstGeom prst="can">
+            <a:avLst>
+              <a:gd name="adj" fmla="val 66500"/>
+            </a:avLst>
+          </a:prstGeom>
+          <a:solidFill>
+            <a:schemeClr val="accent1">
+              <a:lumMod val="75000"/>
+              <a:alpha val="70000"/>
+            </a:schemeClr>
+          </a:solidFill>
+          <a:ln>
+            <a:noFill/>
+          </a:ln>
+        </p:spPr>
+        <p:style>
+          <a:lnRef idx="2">
+            <a:schemeClr val="dk1">
+              <a:shade val="50000"/>
+            </a:schemeClr>
+          </a:lnRef>
+          <a:fillRef idx="1">
+            <a:schemeClr val="dk1"/>
+          </a:fillRef>
+          <a:effectRef idx="0">
+            <a:schemeClr val="dk1"/>
+          </a:effectRef>
+          <a:fontRef idx="minor">
+            <a:schemeClr val="lt1"/>
+          </a:fontRef>
+        </p:style>
+        <p:txBody>
+          <a:bodyPr rtlCol="0" anchor="ctr"/>
+          <a:lstStyle/>
+          <a:p>
+            <a:pPr algn="ctr"/>
+            <a:endParaRPr lang="en-US"/>
+          </a:p>
+        </p:txBody>
+      </p:sp>
+      <p:pic>
+        <p:nvPicPr>
+          <p:cNvPr id="18" name="Picture 17"/>
+          <p:cNvPicPr>
+            <a:picLocks noChangeAspect="1"/>
+          </p:cNvPicPr>
+          <p:nvPr/>
+        </p:nvPicPr>
+        <p:blipFill>
+          <a:blip r:embed="rId2">
+            <a:alphaModFix amt="50000"/>
+            <a:extLst>
+              <a:ext uri="{28A0092B-C50C-407E-A947-70E740481C1C}">
+                <a14:useLocalDpi xmlns:a14="http://schemas.microsoft.com/office/drawing/2010/main" val="0"/>
+              </a:ext>
+            </a:extLst>
+          </a:blip>
+          <a:stretch>
+            <a:fillRect/>
+          </a:stretch>
+        </p:blipFill>
+        <p:spPr>
+          <a:xfrm>
+            <a:off x="3979189" y="4097192"/>
+            <a:ext cx="1042737" cy="1511154"/>
+          </a:xfrm>
+          <a:prstGeom prst="rect">
+            <a:avLst/>
+          </a:prstGeom>
+          <a:effectLst/>
+        </p:spPr>
+      </p:pic>
+      <p:pic>
+        <p:nvPicPr>
+          <p:cNvPr id="19" name="Picture 18"/>
+          <p:cNvPicPr>
+            <a:picLocks noChangeAspect="1"/>
+          </p:cNvPicPr>
+          <p:nvPr/>
+        </p:nvPicPr>
+        <p:blipFill>
+          <a:blip r:embed="rId2">
+            <a:alphaModFix amt="50000"/>
+            <a:extLst>
+              <a:ext uri="{28A0092B-C50C-407E-A947-70E740481C1C}">
+                <a14:useLocalDpi xmlns:a14="http://schemas.microsoft.com/office/drawing/2010/main" val="0"/>
+              </a:ext>
+            </a:extLst>
+          </a:blip>
+          <a:stretch>
+            <a:fillRect/>
+          </a:stretch>
+        </p:blipFill>
+        <p:spPr>
+          <a:xfrm>
+            <a:off x="6096000" y="3429000"/>
+            <a:ext cx="1042737" cy="1511154"/>
+          </a:xfrm>
+          <a:prstGeom prst="rect">
+            <a:avLst/>
+          </a:prstGeom>
+          <a:effectLst/>
+        </p:spPr>
+      </p:pic>
+      <p:pic>
+        <p:nvPicPr>
+          <p:cNvPr id="20" name="Picture 19"/>
+          <p:cNvPicPr>
+            <a:picLocks noChangeAspect="1"/>
+          </p:cNvPicPr>
+          <p:nvPr/>
+        </p:nvPicPr>
+        <p:blipFill>
+          <a:blip r:embed="rId2">
+            <a:extLst>
+              <a:ext uri="{28A0092B-C50C-407E-A947-70E740481C1C}">
+                <a14:useLocalDpi xmlns:a14="http://schemas.microsoft.com/office/drawing/2010/main" val="0"/>
+              </a:ext>
+            </a:extLst>
+          </a:blip>
+          <a:stretch>
+            <a:fillRect/>
+          </a:stretch>
+        </p:blipFill>
+        <p:spPr>
+          <a:xfrm>
+            <a:off x="7977900" y="3429000"/>
+            <a:ext cx="1042737" cy="1511154"/>
+          </a:xfrm>
+          <a:prstGeom prst="rect">
+            <a:avLst/>
+          </a:prstGeom>
+        </p:spPr>
+      </p:pic>
+      <p:sp>
+        <p:nvSpPr>
+          <p:cNvPr id="22" name="Pie 21"/>
+          <p:cNvSpPr/>
+          <p:nvPr/>
+        </p:nvSpPr>
+        <p:spPr bwMode="auto">
+          <a:xfrm rot="11120303">
+            <a:off x="762958" y="2965243"/>
+            <a:ext cx="4013420" cy="4601121"/>
+          </a:xfrm>
+          <a:prstGeom prst="pie">
+            <a:avLst>
+              <a:gd name="adj1" fmla="val 4550217"/>
+              <a:gd name="adj2" fmla="val 7000822"/>
+            </a:avLst>
+          </a:prstGeom>
+          <a:solidFill>
+            <a:srgbClr val="00B050">
+              <a:alpha val="35000"/>
+            </a:srgbClr>
+          </a:solidFill>
+          <a:ln w="9525" cap="flat" cmpd="sng" algn="ctr">
+            <a:solidFill>
+              <a:srgbClr val="00B050">
+                <a:alpha val="36000"/>
+              </a:srgbClr>
+            </a:solidFill>
+            <a:prstDash val="solid"/>
+            <a:miter lim="800000"/>
+            <a:headEnd type="none" w="med" len="med"/>
+            <a:tailEnd type="none" w="med" len="med"/>
+          </a:ln>
+          <a:effectLst/>
+        </p:spPr>
+        <p:txBody>
+          <a:bodyPr vert="horz" wrap="none" lIns="91440" tIns="45720" rIns="91440" bIns="45720" numCol="1" rtlCol="0" anchor="t" anchorCtr="0" compatLnSpc="1">
+            <a:prstTxWarp prst="textNoShape">
+              <a:avLst/>
+            </a:prstTxWarp>
+          </a:bodyPr>
+          <a:lstStyle/>
+          <a:p>
+            <a:pPr marL="0" marR="0" indent="0" algn="l" defTabSz="914400" rtl="0" eaLnBrk="1" fontAlgn="base" latinLnBrk="0" hangingPunct="1">
+              <a:lnSpc>
+                <a:spcPct val="100000"/>
+              </a:lnSpc>
+              <a:spcBef>
+                <a:spcPct val="0"/>
+              </a:spcBef>
+              <a:spcAft>
+                <a:spcPct val="0"/>
+              </a:spcAft>
+              <a:buClrTx/>
+              <a:buSzTx/>
+              <a:buFontTx/>
+              <a:buNone/>
+              <a:tabLst/>
+            </a:pPr>
+            <a:endParaRPr kumimoji="0" lang="en-US" sz="1800" b="0" i="1" u="none" strike="noStrike" cap="none" normalizeH="0" baseline="0">
+              <a:ln>
+                <a:noFill/>
+              </a:ln>
+              <a:solidFill>
+                <a:schemeClr val="tx1"/>
+              </a:solidFill>
+              <a:effectLst/>
+              <a:latin typeface="Arial" pitchFamily="-107" charset="0"/>
+            </a:endParaRPr>
+          </a:p>
+        </p:txBody>
+      </p:sp>
+      <p:sp>
+        <p:nvSpPr>
+          <p:cNvPr id="23" name="Pie 22"/>
+          <p:cNvSpPr/>
+          <p:nvPr/>
+        </p:nvSpPr>
+        <p:spPr bwMode="auto">
+          <a:xfrm rot="11899601">
+            <a:off x="2625027" y="1935030"/>
+            <a:ext cx="4013420" cy="4601121"/>
+          </a:xfrm>
+          <a:prstGeom prst="pie">
+            <a:avLst>
+              <a:gd name="adj1" fmla="val 4550217"/>
+              <a:gd name="adj2" fmla="val 7000822"/>
+            </a:avLst>
+          </a:prstGeom>
+          <a:solidFill>
+            <a:srgbClr val="00B050">
+              <a:alpha val="35000"/>
+            </a:srgbClr>
+          </a:solidFill>
+          <a:ln w="9525" cap="flat" cmpd="sng" algn="ctr">
+            <a:solidFill>
+              <a:srgbClr val="00B050">
+                <a:alpha val="36000"/>
+              </a:srgbClr>
+            </a:solidFill>
+            <a:prstDash val="solid"/>
+            <a:miter lim="800000"/>
+            <a:headEnd type="none" w="med" len="med"/>
+            <a:tailEnd type="none" w="med" len="med"/>
+          </a:ln>
+          <a:effectLst/>
+        </p:spPr>
+        <p:txBody>
+          <a:bodyPr vert="horz" wrap="none" lIns="91440" tIns="45720" rIns="91440" bIns="45720" numCol="1" rtlCol="0" anchor="t" anchorCtr="0" compatLnSpc="1">
+            <a:prstTxWarp prst="textNoShape">
+              <a:avLst/>
+            </a:prstTxWarp>
+          </a:bodyPr>
+          <a:lstStyle/>
+          <a:p>
+            <a:pPr marL="0" marR="0" indent="0" algn="l" defTabSz="914400" rtl="0" eaLnBrk="1" fontAlgn="base" latinLnBrk="0" hangingPunct="1">
+              <a:lnSpc>
+                <a:spcPct val="100000"/>
+              </a:lnSpc>
+              <a:spcBef>
+                <a:spcPct val="0"/>
+              </a:spcBef>
+              <a:spcAft>
+                <a:spcPct val="0"/>
+              </a:spcAft>
+              <a:buClrTx/>
+              <a:buSzTx/>
+              <a:buFontTx/>
+              <a:buNone/>
+              <a:tabLst/>
+            </a:pPr>
+            <a:endParaRPr kumimoji="0" lang="en-US" sz="1800" b="0" i="1" u="none" strike="noStrike" cap="none" normalizeH="0" baseline="0">
+              <a:ln>
+                <a:noFill/>
+              </a:ln>
+              <a:solidFill>
+                <a:schemeClr val="tx1"/>
+              </a:solidFill>
+              <a:effectLst/>
+              <a:latin typeface="Arial" pitchFamily="-107" charset="0"/>
+            </a:endParaRPr>
+          </a:p>
+        </p:txBody>
+      </p:sp>
+      <p:sp>
+        <p:nvSpPr>
+          <p:cNvPr id="24" name="Pie 23"/>
+          <p:cNvSpPr/>
+          <p:nvPr/>
+        </p:nvSpPr>
+        <p:spPr bwMode="auto">
+          <a:xfrm rot="12753265">
+            <a:off x="4950186" y="1344416"/>
+            <a:ext cx="4013420" cy="4601121"/>
+          </a:xfrm>
+          <a:prstGeom prst="pie">
+            <a:avLst>
+              <a:gd name="adj1" fmla="val 4550217"/>
+              <a:gd name="adj2" fmla="val 7000822"/>
+            </a:avLst>
+          </a:prstGeom>
+          <a:solidFill>
+            <a:srgbClr val="00B050">
+              <a:alpha val="35000"/>
+            </a:srgbClr>
+          </a:solidFill>
+          <a:ln w="9525" cap="flat" cmpd="sng" algn="ctr">
+            <a:solidFill>
+              <a:srgbClr val="00B050">
+                <a:alpha val="36000"/>
+              </a:srgbClr>
+            </a:solidFill>
+            <a:prstDash val="solid"/>
+            <a:miter lim="800000"/>
+            <a:headEnd type="none" w="med" len="med"/>
+            <a:tailEnd type="none" w="med" len="med"/>
+          </a:ln>
+          <a:effectLst/>
+        </p:spPr>
+        <p:txBody>
+          <a:bodyPr vert="horz" wrap="none" lIns="91440" tIns="45720" rIns="91440" bIns="45720" numCol="1" rtlCol="0" anchor="t" anchorCtr="0" compatLnSpc="1">
+            <a:prstTxWarp prst="textNoShape">
+              <a:avLst/>
+            </a:prstTxWarp>
+          </a:bodyPr>
+          <a:lstStyle/>
+          <a:p>
+            <a:pPr marL="0" marR="0" indent="0" algn="l" defTabSz="914400" rtl="0" eaLnBrk="1" fontAlgn="base" latinLnBrk="0" hangingPunct="1">
+              <a:lnSpc>
+                <a:spcPct val="100000"/>
+              </a:lnSpc>
+              <a:spcBef>
+                <a:spcPct val="0"/>
+              </a:spcBef>
+              <a:spcAft>
+                <a:spcPct val="0"/>
+              </a:spcAft>
+              <a:buClrTx/>
+              <a:buSzTx/>
+              <a:buFontTx/>
+              <a:buNone/>
+              <a:tabLst/>
+            </a:pPr>
+            <a:endParaRPr kumimoji="0" lang="en-US" sz="1800" b="0" i="1" u="none" strike="noStrike" cap="none" normalizeH="0" baseline="0">
+              <a:ln>
+                <a:noFill/>
+              </a:ln>
+              <a:solidFill>
+                <a:schemeClr val="tx1"/>
+              </a:solidFill>
+              <a:effectLst/>
+              <a:latin typeface="Arial" pitchFamily="-107" charset="0"/>
+            </a:endParaRPr>
+          </a:p>
+        </p:txBody>
+      </p:sp>
+      <p:sp>
+        <p:nvSpPr>
+          <p:cNvPr id="25" name="Pie 24"/>
+          <p:cNvSpPr/>
+          <p:nvPr/>
+        </p:nvSpPr>
+        <p:spPr bwMode="auto">
+          <a:xfrm rot="13589714">
+            <a:off x="6951636" y="1344415"/>
+            <a:ext cx="4013420" cy="4601121"/>
+          </a:xfrm>
+          <a:prstGeom prst="pie">
+            <a:avLst>
+              <a:gd name="adj1" fmla="val 4550217"/>
+              <a:gd name="adj2" fmla="val 7000822"/>
+            </a:avLst>
+          </a:prstGeom>
+          <a:solidFill>
+            <a:srgbClr val="00B050">
+              <a:alpha val="35000"/>
+            </a:srgbClr>
+          </a:solidFill>
+          <a:ln w="9525" cap="flat" cmpd="sng" algn="ctr">
+            <a:solidFill>
+              <a:srgbClr val="00B050">
+                <a:alpha val="36000"/>
+              </a:srgbClr>
+            </a:solidFill>
+            <a:prstDash val="solid"/>
+            <a:miter lim="800000"/>
+            <a:headEnd type="none" w="med" len="med"/>
+            <a:tailEnd type="none" w="med" len="med"/>
+          </a:ln>
+          <a:effectLst/>
+        </p:spPr>
+        <p:txBody>
+          <a:bodyPr vert="horz" wrap="none" lIns="91440" tIns="45720" rIns="91440" bIns="45720" numCol="1" rtlCol="0" anchor="t" anchorCtr="0" compatLnSpc="1">
+            <a:prstTxWarp prst="textNoShape">
+              <a:avLst/>
+            </a:prstTxWarp>
+          </a:bodyPr>
+          <a:lstStyle/>
+          <a:p>
+            <a:pPr marL="0" marR="0" indent="0" algn="l" defTabSz="914400" rtl="0" eaLnBrk="1" fontAlgn="base" latinLnBrk="0" hangingPunct="1">
+              <a:lnSpc>
+                <a:spcPct val="100000"/>
+              </a:lnSpc>
+              <a:spcBef>
+                <a:spcPct val="0"/>
+              </a:spcBef>
+              <a:spcAft>
+                <a:spcPct val="0"/>
+              </a:spcAft>
+              <a:buClrTx/>
+              <a:buSzTx/>
+              <a:buFontTx/>
+              <a:buNone/>
+              <a:tabLst/>
+            </a:pPr>
+            <a:endParaRPr kumimoji="0" lang="en-US" sz="1800" b="0" i="1" u="none" strike="noStrike" cap="none" normalizeH="0" baseline="0">
+              <a:ln>
+                <a:noFill/>
+              </a:ln>
+              <a:solidFill>
+                <a:schemeClr val="tx1"/>
+              </a:solidFill>
+              <a:effectLst/>
+              <a:latin typeface="Arial" pitchFamily="-107" charset="0"/>
+            </a:endParaRPr>
+          </a:p>
+        </p:txBody>
+      </p:sp>
+    </p:spTree>
+    <p:extLst>
+      <p:ext uri="{BB962C8B-B14F-4D97-AF65-F5344CB8AC3E}">
+        <p14:creationId xmlns:p14="http://schemas.microsoft.com/office/powerpoint/2010/main" val="532618242"/>
+      </p:ext>
+    </p:extLst>
+  </p:cSld>
+  <p:clrMapOvr>
+    <a:masterClrMapping/>
+  </p:clrMapOvr>
+</p:sld>
+</file>
+
 <file path=ppt/theme/theme1.xml><?xml version="1.0" encoding="utf-8"?>
 <a:theme xmlns:a="http://schemas.openxmlformats.org/drawingml/2006/main" name="Office Theme">
   <a:themeElements>
